--- a/trunk/PRESENTATION/Menu Navigation_mid_presentation_ver_5.pptx
+++ b/trunk/PRESENTATION/Menu Navigation_mid_presentation_ver_5.pptx
@@ -9589,7 +9589,7 @@
           <p:nvPr>
             <p:extLst>
               <p:ext uri="{D42A27DB-BD31-4B8C-83A1-F6EECF244321}">
-                <p14:modId xmlns:p14="http://schemas.microsoft.com/office/powerpoint/2010/main" val="1245742003"/>
+                <p14:modId xmlns:p14="http://schemas.microsoft.com/office/powerpoint/2010/main" val="916014901"/>
               </p:ext>
             </p:extLst>
           </p:nvPr>
@@ -10603,7 +10603,7 @@
                       <a:pPr algn="ctr" rtl="1"/>
                       <a:r>
                         <a:rPr lang="en-US" dirty="0" smtClean="0"/>
-                        <a:t>0</a:t>
+                        <a:t>1</a:t>
                       </a:r>
                       <a:endParaRPr lang="he-IL" dirty="0"/>
                     </a:p>
@@ -11235,7 +11235,7 @@
                       <a:pPr algn="ctr" rtl="1"/>
                       <a:r>
                         <a:rPr lang="en-US" dirty="0" smtClean="0"/>
-                        <a:t>19</a:t>
+                        <a:t>18</a:t>
                       </a:r>
                       <a:endParaRPr lang="he-IL" dirty="0"/>
                     </a:p>
@@ -11838,7 +11838,7 @@
                       <a:pPr algn="ctr" rtl="1"/>
                       <a:r>
                         <a:rPr lang="en-US" dirty="0" smtClean="0"/>
-                        <a:t>+1</a:t>
+                        <a:t>1</a:t>
                       </a:r>
                       <a:endParaRPr lang="he-IL" dirty="0"/>
                     </a:p>
@@ -14501,7 +14501,7 @@
           <a:graphicData uri="http://schemas.openxmlformats.org/presentationml/2006/ole">
             <mc:AlternateContent xmlns:mc="http://schemas.openxmlformats.org/markup-compatibility/2006">
               <mc:Choice xmlns:v="urn:schemas-microsoft-com:vml" Requires="v">
-                <p:oleObj spid="_x0000_s4328" name="Equation" r:id="rId5" imgW="710891" imgH="177723" progId="Equation.DSMT4">
+                <p:oleObj spid="_x0000_s4336" name="Equation" r:id="rId5" imgW="710891" imgH="177723" progId="Equation.DSMT4">
                   <p:embed/>
                 </p:oleObj>
               </mc:Choice>
@@ -14568,7 +14568,7 @@
           <a:graphicData uri="http://schemas.openxmlformats.org/presentationml/2006/ole">
             <mc:AlternateContent xmlns:mc="http://schemas.openxmlformats.org/markup-compatibility/2006">
               <mc:Choice xmlns:v="urn:schemas-microsoft-com:vml" Requires="v">
-                <p:oleObj spid="_x0000_s4329" name="Equation" r:id="rId7" imgW="672516" imgH="177646" progId="Equation.DSMT4">
+                <p:oleObj spid="_x0000_s4337" name="Equation" r:id="rId7" imgW="672516" imgH="177646" progId="Equation.DSMT4">
                   <p:embed/>
                 </p:oleObj>
               </mc:Choice>
